--- a/asta/idea 1.pptx
+++ b/asta/idea 1.pptx
@@ -6,8 +6,7 @@
   </p:sldMasterIdLst>
   <p:sldIdLst>
     <p:sldId id="256" r:id="rId2"/>
-    <p:sldId id="258" r:id="rId3"/>
-    <p:sldId id="257" r:id="rId4"/>
+    <p:sldId id="257" r:id="rId3"/>
   </p:sldIdLst>
   <p:sldSz cx="12192000" cy="6858000"/>
   <p:notesSz cx="6858000" cy="9144000"/>
@@ -263,7 +262,7 @@
           <a:p>
             <a:fld id="{9FDEF5BA-61B1-4F47-AB7A-4C4F33AEE735}" type="datetimeFigureOut">
               <a:rPr lang="es-CO" smtClean="0"/>
-              <a:t>26/07/2022</a:t>
+              <a:t>24/08/2022</a:t>
             </a:fld>
             <a:endParaRPr lang="es-CO"/>
           </a:p>
@@ -463,7 +462,7 @@
           <a:p>
             <a:fld id="{9FDEF5BA-61B1-4F47-AB7A-4C4F33AEE735}" type="datetimeFigureOut">
               <a:rPr lang="es-CO" smtClean="0"/>
-              <a:t>26/07/2022</a:t>
+              <a:t>24/08/2022</a:t>
             </a:fld>
             <a:endParaRPr lang="es-CO"/>
           </a:p>
@@ -673,7 +672,7 @@
           <a:p>
             <a:fld id="{9FDEF5BA-61B1-4F47-AB7A-4C4F33AEE735}" type="datetimeFigureOut">
               <a:rPr lang="es-CO" smtClean="0"/>
-              <a:t>26/07/2022</a:t>
+              <a:t>24/08/2022</a:t>
             </a:fld>
             <a:endParaRPr lang="es-CO"/>
           </a:p>
@@ -873,7 +872,7 @@
           <a:p>
             <a:fld id="{9FDEF5BA-61B1-4F47-AB7A-4C4F33AEE735}" type="datetimeFigureOut">
               <a:rPr lang="es-CO" smtClean="0"/>
-              <a:t>26/07/2022</a:t>
+              <a:t>24/08/2022</a:t>
             </a:fld>
             <a:endParaRPr lang="es-CO"/>
           </a:p>
@@ -1149,7 +1148,7 @@
           <a:p>
             <a:fld id="{9FDEF5BA-61B1-4F47-AB7A-4C4F33AEE735}" type="datetimeFigureOut">
               <a:rPr lang="es-CO" smtClean="0"/>
-              <a:t>26/07/2022</a:t>
+              <a:t>24/08/2022</a:t>
             </a:fld>
             <a:endParaRPr lang="es-CO"/>
           </a:p>
@@ -1417,7 +1416,7 @@
           <a:p>
             <a:fld id="{9FDEF5BA-61B1-4F47-AB7A-4C4F33AEE735}" type="datetimeFigureOut">
               <a:rPr lang="es-CO" smtClean="0"/>
-              <a:t>26/07/2022</a:t>
+              <a:t>24/08/2022</a:t>
             </a:fld>
             <a:endParaRPr lang="es-CO"/>
           </a:p>
@@ -1832,7 +1831,7 @@
           <a:p>
             <a:fld id="{9FDEF5BA-61B1-4F47-AB7A-4C4F33AEE735}" type="datetimeFigureOut">
               <a:rPr lang="es-CO" smtClean="0"/>
-              <a:t>26/07/2022</a:t>
+              <a:t>24/08/2022</a:t>
             </a:fld>
             <a:endParaRPr lang="es-CO"/>
           </a:p>
@@ -1974,7 +1973,7 @@
           <a:p>
             <a:fld id="{9FDEF5BA-61B1-4F47-AB7A-4C4F33AEE735}" type="datetimeFigureOut">
               <a:rPr lang="es-CO" smtClean="0"/>
-              <a:t>26/07/2022</a:t>
+              <a:t>24/08/2022</a:t>
             </a:fld>
             <a:endParaRPr lang="es-CO"/>
           </a:p>
@@ -2087,7 +2086,7 @@
           <a:p>
             <a:fld id="{9FDEF5BA-61B1-4F47-AB7A-4C4F33AEE735}" type="datetimeFigureOut">
               <a:rPr lang="es-CO" smtClean="0"/>
-              <a:t>26/07/2022</a:t>
+              <a:t>24/08/2022</a:t>
             </a:fld>
             <a:endParaRPr lang="es-CO"/>
           </a:p>
@@ -2400,7 +2399,7 @@
           <a:p>
             <a:fld id="{9FDEF5BA-61B1-4F47-AB7A-4C4F33AEE735}" type="datetimeFigureOut">
               <a:rPr lang="es-CO" smtClean="0"/>
-              <a:t>26/07/2022</a:t>
+              <a:t>24/08/2022</a:t>
             </a:fld>
             <a:endParaRPr lang="es-CO"/>
           </a:p>
@@ -2689,7 +2688,7 @@
           <a:p>
             <a:fld id="{9FDEF5BA-61B1-4F47-AB7A-4C4F33AEE735}" type="datetimeFigureOut">
               <a:rPr lang="es-CO" smtClean="0"/>
-              <a:t>26/07/2022</a:t>
+              <a:t>24/08/2022</a:t>
             </a:fld>
             <a:endParaRPr lang="es-CO"/>
           </a:p>
@@ -2932,7 +2931,7 @@
           <a:p>
             <a:fld id="{9FDEF5BA-61B1-4F47-AB7A-4C4F33AEE735}" type="datetimeFigureOut">
               <a:rPr lang="es-CO" smtClean="0"/>
-              <a:t>26/07/2022</a:t>
+              <a:t>24/08/2022</a:t>
             </a:fld>
             <a:endParaRPr lang="es-CO"/>
           </a:p>
@@ -4015,672 +4014,6 @@
       </p:grpSpPr>
       <p:sp>
         <p:nvSpPr>
-          <p:cNvPr id="4" name="Rectángulo 3">
-            <a:extLst>
-              <a:ext uri="{FF2B5EF4-FFF2-40B4-BE49-F238E27FC236}">
-                <a16:creationId xmlns:a16="http://schemas.microsoft.com/office/drawing/2014/main" id="{DF245E58-804D-4C1A-8974-7DA4FC8B9D2F}"/>
-              </a:ext>
-            </a:extLst>
-          </p:cNvPr>
-          <p:cNvSpPr/>
-          <p:nvPr/>
-        </p:nvSpPr>
-        <p:spPr>
-          <a:xfrm>
-            <a:off x="0" y="1669409"/>
-            <a:ext cx="12192000" cy="5188591"/>
-          </a:xfrm>
-          <a:prstGeom prst="rect">
-            <a:avLst/>
-          </a:prstGeom>
-          <a:gradFill flip="none" rotWithShape="1">
-            <a:gsLst>
-              <a:gs pos="0">
-                <a:schemeClr val="accent1">
-                  <a:lumMod val="5000"/>
-                  <a:lumOff val="95000"/>
-                </a:schemeClr>
-              </a:gs>
-              <a:gs pos="38000">
-                <a:srgbClr val="ABC0E4"/>
-              </a:gs>
-              <a:gs pos="23000">
-                <a:schemeClr val="accent1">
-                  <a:lumMod val="45000"/>
-                  <a:lumOff val="55000"/>
-                </a:schemeClr>
-              </a:gs>
-              <a:gs pos="100000">
-                <a:schemeClr val="accent1">
-                  <a:lumMod val="75000"/>
-                </a:schemeClr>
-              </a:gs>
-            </a:gsLst>
-            <a:lin ang="16200000" scaled="1"/>
-            <a:tileRect/>
-          </a:gradFill>
-          <a:ln>
-            <a:noFill/>
-          </a:ln>
-        </p:spPr>
-        <p:style>
-          <a:lnRef idx="2">
-            <a:schemeClr val="accent1">
-              <a:shade val="50000"/>
-            </a:schemeClr>
-          </a:lnRef>
-          <a:fillRef idx="1">
-            <a:schemeClr val="accent1"/>
-          </a:fillRef>
-          <a:effectRef idx="0">
-            <a:schemeClr val="accent1"/>
-          </a:effectRef>
-          <a:fontRef idx="minor">
-            <a:schemeClr val="lt1"/>
-          </a:fontRef>
-        </p:style>
-        <p:txBody>
-          <a:bodyPr rtlCol="0" anchor="ctr"/>
-          <a:lstStyle/>
-          <a:p>
-            <a:pPr algn="ctr"/>
-            <a:endParaRPr lang="es-CO"/>
-          </a:p>
-        </p:txBody>
-      </p:sp>
-      <p:sp>
-        <p:nvSpPr>
-          <p:cNvPr id="5" name="Rectángulo 4">
-            <a:extLst>
-              <a:ext uri="{FF2B5EF4-FFF2-40B4-BE49-F238E27FC236}">
-                <a16:creationId xmlns:a16="http://schemas.microsoft.com/office/drawing/2014/main" id="{0948DE1E-A627-4379-ADB0-FB750E675C64}"/>
-              </a:ext>
-            </a:extLst>
-          </p:cNvPr>
-          <p:cNvSpPr/>
-          <p:nvPr/>
-        </p:nvSpPr>
-        <p:spPr>
-          <a:xfrm>
-            <a:off x="0" y="1"/>
-            <a:ext cx="12192000" cy="1669408"/>
-          </a:xfrm>
-          <a:prstGeom prst="rect">
-            <a:avLst/>
-          </a:prstGeom>
-          <a:solidFill>
-            <a:schemeClr val="accent1">
-              <a:lumMod val="75000"/>
-            </a:schemeClr>
-          </a:solidFill>
-          <a:ln>
-            <a:solidFill>
-              <a:schemeClr val="accent1">
-                <a:lumMod val="75000"/>
-              </a:schemeClr>
-            </a:solidFill>
-          </a:ln>
-        </p:spPr>
-        <p:style>
-          <a:lnRef idx="2">
-            <a:schemeClr val="accent1">
-              <a:shade val="50000"/>
-            </a:schemeClr>
-          </a:lnRef>
-          <a:fillRef idx="1">
-            <a:schemeClr val="accent1"/>
-          </a:fillRef>
-          <a:effectRef idx="0">
-            <a:schemeClr val="accent1"/>
-          </a:effectRef>
-          <a:fontRef idx="minor">
-            <a:schemeClr val="lt1"/>
-          </a:fontRef>
-        </p:style>
-        <p:txBody>
-          <a:bodyPr rtlCol="0" anchor="ctr"/>
-          <a:lstStyle/>
-          <a:p>
-            <a:pPr algn="ctr"/>
-            <a:endParaRPr lang="es-CO"/>
-          </a:p>
-        </p:txBody>
-      </p:sp>
-      <p:sp>
-        <p:nvSpPr>
-          <p:cNvPr id="6" name="Elipse 5">
-            <a:extLst>
-              <a:ext uri="{FF2B5EF4-FFF2-40B4-BE49-F238E27FC236}">
-                <a16:creationId xmlns:a16="http://schemas.microsoft.com/office/drawing/2014/main" id="{5D9840CA-AA92-4381-B0E9-2F0792E68366}"/>
-              </a:ext>
-            </a:extLst>
-          </p:cNvPr>
-          <p:cNvSpPr/>
-          <p:nvPr/>
-        </p:nvSpPr>
-        <p:spPr>
-          <a:xfrm>
-            <a:off x="327172" y="234621"/>
-            <a:ext cx="864066" cy="788565"/>
-          </a:xfrm>
-          <a:prstGeom prst="ellipse">
-            <a:avLst/>
-          </a:prstGeom>
-          <a:solidFill>
-            <a:schemeClr val="accent6"/>
-          </a:solidFill>
-        </p:spPr>
-        <p:style>
-          <a:lnRef idx="2">
-            <a:schemeClr val="accent1">
-              <a:shade val="50000"/>
-            </a:schemeClr>
-          </a:lnRef>
-          <a:fillRef idx="1">
-            <a:schemeClr val="accent1"/>
-          </a:fillRef>
-          <a:effectRef idx="0">
-            <a:schemeClr val="accent1"/>
-          </a:effectRef>
-          <a:fontRef idx="minor">
-            <a:schemeClr val="lt1"/>
-          </a:fontRef>
-        </p:style>
-        <p:txBody>
-          <a:bodyPr rtlCol="0" anchor="ctr"/>
-          <a:lstStyle/>
-          <a:p>
-            <a:pPr algn="ctr"/>
-            <a:r>
-              <a:rPr lang="es-CO" dirty="0"/>
-              <a:t>logo</a:t>
-            </a:r>
-          </a:p>
-        </p:txBody>
-      </p:sp>
-      <p:sp>
-        <p:nvSpPr>
-          <p:cNvPr id="7" name="Rectángulo 6">
-            <a:extLst>
-              <a:ext uri="{FF2B5EF4-FFF2-40B4-BE49-F238E27FC236}">
-                <a16:creationId xmlns:a16="http://schemas.microsoft.com/office/drawing/2014/main" id="{67421B46-CD12-4FEF-8812-FDD0C05CBC47}"/>
-              </a:ext>
-            </a:extLst>
-          </p:cNvPr>
-          <p:cNvSpPr/>
-          <p:nvPr/>
-        </p:nvSpPr>
-        <p:spPr>
-          <a:xfrm>
-            <a:off x="3329704" y="234621"/>
-            <a:ext cx="6723828" cy="923330"/>
-          </a:xfrm>
-          <a:prstGeom prst="rect">
-            <a:avLst/>
-          </a:prstGeom>
-          <a:noFill/>
-        </p:spPr>
-        <p:txBody>
-          <a:bodyPr wrap="none" lIns="91440" tIns="45720" rIns="91440" bIns="45720">
-            <a:spAutoFit/>
-          </a:bodyPr>
-          <a:lstStyle/>
-          <a:p>
-            <a:pPr algn="ctr"/>
-            <a:r>
-              <a:rPr lang="es-ES" sz="5400" b="1" cap="none" spc="0" dirty="0">
-                <a:ln w="12700" cmpd="sng">
-                  <a:solidFill>
-                    <a:schemeClr val="accent6">
-                      <a:lumMod val="50000"/>
-                    </a:schemeClr>
-                  </a:solidFill>
-                  <a:prstDash val="solid"/>
-                </a:ln>
-                <a:solidFill>
-                  <a:schemeClr val="accent6">
-                    <a:lumMod val="60000"/>
-                    <a:lumOff val="40000"/>
-                  </a:schemeClr>
-                </a:solidFill>
-                <a:effectLst/>
-              </a:rPr>
-              <a:t>Nombre de la empresa</a:t>
-            </a:r>
-          </a:p>
-        </p:txBody>
-      </p:sp>
-      <p:sp>
-        <p:nvSpPr>
-          <p:cNvPr id="8" name="Rectángulo: esquinas redondeadas 7">
-            <a:extLst>
-              <a:ext uri="{FF2B5EF4-FFF2-40B4-BE49-F238E27FC236}">
-                <a16:creationId xmlns:a16="http://schemas.microsoft.com/office/drawing/2014/main" id="{C9C33106-FD8B-44D6-A218-124041D1EB2A}"/>
-              </a:ext>
-            </a:extLst>
-          </p:cNvPr>
-          <p:cNvSpPr/>
-          <p:nvPr/>
-        </p:nvSpPr>
-        <p:spPr>
-          <a:xfrm>
-            <a:off x="327172" y="1713451"/>
-            <a:ext cx="5452844" cy="1415643"/>
-          </a:xfrm>
-          <a:prstGeom prst="roundRect">
-            <a:avLst/>
-          </a:prstGeom>
-          <a:solidFill>
-            <a:schemeClr val="bg1"/>
-          </a:solidFill>
-        </p:spPr>
-        <p:style>
-          <a:lnRef idx="2">
-            <a:schemeClr val="accent1">
-              <a:shade val="50000"/>
-            </a:schemeClr>
-          </a:lnRef>
-          <a:fillRef idx="1">
-            <a:schemeClr val="accent1"/>
-          </a:fillRef>
-          <a:effectRef idx="0">
-            <a:schemeClr val="accent1"/>
-          </a:effectRef>
-          <a:fontRef idx="minor">
-            <a:schemeClr val="lt1"/>
-          </a:fontRef>
-        </p:style>
-        <p:txBody>
-          <a:bodyPr rtlCol="0" anchor="ctr"/>
-          <a:lstStyle/>
-          <a:p>
-            <a:pPr algn="ctr"/>
-            <a:endParaRPr lang="es-CO"/>
-          </a:p>
-        </p:txBody>
-      </p:sp>
-      <p:sp>
-        <p:nvSpPr>
-          <p:cNvPr id="9" name="Rectángulo 8">
-            <a:extLst>
-              <a:ext uri="{FF2B5EF4-FFF2-40B4-BE49-F238E27FC236}">
-                <a16:creationId xmlns:a16="http://schemas.microsoft.com/office/drawing/2014/main" id="{6C64C016-5055-4D70-9B8E-738E19CB0CD3}"/>
-              </a:ext>
-            </a:extLst>
-          </p:cNvPr>
-          <p:cNvSpPr/>
-          <p:nvPr/>
-        </p:nvSpPr>
-        <p:spPr>
-          <a:xfrm>
-            <a:off x="520118" y="2021745"/>
-            <a:ext cx="1342239" cy="799053"/>
-          </a:xfrm>
-          <a:prstGeom prst="rect">
-            <a:avLst/>
-          </a:prstGeom>
-        </p:spPr>
-        <p:style>
-          <a:lnRef idx="2">
-            <a:schemeClr val="accent1">
-              <a:shade val="50000"/>
-            </a:schemeClr>
-          </a:lnRef>
-          <a:fillRef idx="1">
-            <a:schemeClr val="accent1"/>
-          </a:fillRef>
-          <a:effectRef idx="0">
-            <a:schemeClr val="accent1"/>
-          </a:effectRef>
-          <a:fontRef idx="minor">
-            <a:schemeClr val="lt1"/>
-          </a:fontRef>
-        </p:style>
-        <p:txBody>
-          <a:bodyPr rtlCol="0" anchor="ctr"/>
-          <a:lstStyle/>
-          <a:p>
-            <a:pPr algn="ctr"/>
-            <a:r>
-              <a:rPr lang="es-CO" dirty="0"/>
-              <a:t>Imagen </a:t>
-            </a:r>
-          </a:p>
-        </p:txBody>
-      </p:sp>
-      <p:sp>
-        <p:nvSpPr>
-          <p:cNvPr id="10" name="CuadroTexto 9">
-            <a:extLst>
-              <a:ext uri="{FF2B5EF4-FFF2-40B4-BE49-F238E27FC236}">
-                <a16:creationId xmlns:a16="http://schemas.microsoft.com/office/drawing/2014/main" id="{B5482DC8-0F97-4043-B137-6A5EED3A1043}"/>
-              </a:ext>
-            </a:extLst>
-          </p:cNvPr>
-          <p:cNvSpPr txBox="1"/>
-          <p:nvPr/>
-        </p:nvSpPr>
-        <p:spPr>
-          <a:xfrm>
-            <a:off x="2189529" y="2236605"/>
-            <a:ext cx="3179427" cy="369332"/>
-          </a:xfrm>
-          <a:prstGeom prst="rect">
-            <a:avLst/>
-          </a:prstGeom>
-          <a:noFill/>
-        </p:spPr>
-        <p:txBody>
-          <a:bodyPr wrap="square" rtlCol="0">
-            <a:spAutoFit/>
-          </a:bodyPr>
-          <a:lstStyle/>
-          <a:p>
-            <a:r>
-              <a:rPr lang="es-CO" dirty="0"/>
-              <a:t>Pequeña descripción </a:t>
-            </a:r>
-          </a:p>
-        </p:txBody>
-      </p:sp>
-      <p:sp>
-        <p:nvSpPr>
-          <p:cNvPr id="11" name="Rectángulo: esquinas redondeadas 10">
-            <a:extLst>
-              <a:ext uri="{FF2B5EF4-FFF2-40B4-BE49-F238E27FC236}">
-                <a16:creationId xmlns:a16="http://schemas.microsoft.com/office/drawing/2014/main" id="{6B879A55-3ED1-450A-A660-C91AD31CA35B}"/>
-              </a:ext>
-            </a:extLst>
-          </p:cNvPr>
-          <p:cNvSpPr/>
-          <p:nvPr/>
-        </p:nvSpPr>
-        <p:spPr>
-          <a:xfrm>
-            <a:off x="327172" y="3437388"/>
-            <a:ext cx="5452844" cy="1415643"/>
-          </a:xfrm>
-          <a:prstGeom prst="roundRect">
-            <a:avLst/>
-          </a:prstGeom>
-          <a:solidFill>
-            <a:schemeClr val="bg1"/>
-          </a:solidFill>
-        </p:spPr>
-        <p:style>
-          <a:lnRef idx="2">
-            <a:schemeClr val="accent1">
-              <a:shade val="50000"/>
-            </a:schemeClr>
-          </a:lnRef>
-          <a:fillRef idx="1">
-            <a:schemeClr val="accent1"/>
-          </a:fillRef>
-          <a:effectRef idx="0">
-            <a:schemeClr val="accent1"/>
-          </a:effectRef>
-          <a:fontRef idx="minor">
-            <a:schemeClr val="lt1"/>
-          </a:fontRef>
-        </p:style>
-        <p:txBody>
-          <a:bodyPr rtlCol="0" anchor="ctr"/>
-          <a:lstStyle/>
-          <a:p>
-            <a:pPr algn="ctr"/>
-            <a:endParaRPr lang="es-CO"/>
-          </a:p>
-        </p:txBody>
-      </p:sp>
-      <p:sp>
-        <p:nvSpPr>
-          <p:cNvPr id="12" name="Rectángulo 11">
-            <a:extLst>
-              <a:ext uri="{FF2B5EF4-FFF2-40B4-BE49-F238E27FC236}">
-                <a16:creationId xmlns:a16="http://schemas.microsoft.com/office/drawing/2014/main" id="{41366332-FF3B-4AA4-A141-A962432D05D3}"/>
-              </a:ext>
-            </a:extLst>
-          </p:cNvPr>
-          <p:cNvSpPr/>
-          <p:nvPr/>
-        </p:nvSpPr>
-        <p:spPr>
-          <a:xfrm>
-            <a:off x="520118" y="3745682"/>
-            <a:ext cx="1342239" cy="799053"/>
-          </a:xfrm>
-          <a:prstGeom prst="rect">
-            <a:avLst/>
-          </a:prstGeom>
-        </p:spPr>
-        <p:style>
-          <a:lnRef idx="2">
-            <a:schemeClr val="accent1">
-              <a:shade val="50000"/>
-            </a:schemeClr>
-          </a:lnRef>
-          <a:fillRef idx="1">
-            <a:schemeClr val="accent1"/>
-          </a:fillRef>
-          <a:effectRef idx="0">
-            <a:schemeClr val="accent1"/>
-          </a:effectRef>
-          <a:fontRef idx="minor">
-            <a:schemeClr val="lt1"/>
-          </a:fontRef>
-        </p:style>
-        <p:txBody>
-          <a:bodyPr rtlCol="0" anchor="ctr"/>
-          <a:lstStyle/>
-          <a:p>
-            <a:pPr algn="ctr"/>
-            <a:r>
-              <a:rPr lang="es-CO" dirty="0"/>
-              <a:t>Imagen </a:t>
-            </a:r>
-          </a:p>
-        </p:txBody>
-      </p:sp>
-      <p:sp>
-        <p:nvSpPr>
-          <p:cNvPr id="13" name="CuadroTexto 12">
-            <a:extLst>
-              <a:ext uri="{FF2B5EF4-FFF2-40B4-BE49-F238E27FC236}">
-                <a16:creationId xmlns:a16="http://schemas.microsoft.com/office/drawing/2014/main" id="{95DE2EE5-1F25-42A7-A1D6-1629711D4293}"/>
-              </a:ext>
-            </a:extLst>
-          </p:cNvPr>
-          <p:cNvSpPr txBox="1"/>
-          <p:nvPr/>
-        </p:nvSpPr>
-        <p:spPr>
-          <a:xfrm>
-            <a:off x="2189529" y="3960542"/>
-            <a:ext cx="3179427" cy="369332"/>
-          </a:xfrm>
-          <a:prstGeom prst="rect">
-            <a:avLst/>
-          </a:prstGeom>
-          <a:noFill/>
-        </p:spPr>
-        <p:txBody>
-          <a:bodyPr wrap="square" rtlCol="0">
-            <a:spAutoFit/>
-          </a:bodyPr>
-          <a:lstStyle/>
-          <a:p>
-            <a:r>
-              <a:rPr lang="es-CO" dirty="0"/>
-              <a:t>Pequeña descripción </a:t>
-            </a:r>
-          </a:p>
-        </p:txBody>
-      </p:sp>
-      <p:sp>
-        <p:nvSpPr>
-          <p:cNvPr id="14" name="Rectángulo: esquinas redondeadas 13">
-            <a:extLst>
-              <a:ext uri="{FF2B5EF4-FFF2-40B4-BE49-F238E27FC236}">
-                <a16:creationId xmlns:a16="http://schemas.microsoft.com/office/drawing/2014/main" id="{C0558819-643C-42F2-A89D-9D4B833AD7F5}"/>
-              </a:ext>
-            </a:extLst>
-          </p:cNvPr>
-          <p:cNvSpPr/>
-          <p:nvPr/>
-        </p:nvSpPr>
-        <p:spPr>
-          <a:xfrm>
-            <a:off x="327172" y="5165790"/>
-            <a:ext cx="5452844" cy="1415643"/>
-          </a:xfrm>
-          <a:prstGeom prst="roundRect">
-            <a:avLst/>
-          </a:prstGeom>
-          <a:solidFill>
-            <a:schemeClr val="bg1"/>
-          </a:solidFill>
-        </p:spPr>
-        <p:style>
-          <a:lnRef idx="2">
-            <a:schemeClr val="accent1">
-              <a:shade val="50000"/>
-            </a:schemeClr>
-          </a:lnRef>
-          <a:fillRef idx="1">
-            <a:schemeClr val="accent1"/>
-          </a:fillRef>
-          <a:effectRef idx="0">
-            <a:schemeClr val="accent1"/>
-          </a:effectRef>
-          <a:fontRef idx="minor">
-            <a:schemeClr val="lt1"/>
-          </a:fontRef>
-        </p:style>
-        <p:txBody>
-          <a:bodyPr rtlCol="0" anchor="ctr"/>
-          <a:lstStyle/>
-          <a:p>
-            <a:pPr algn="ctr"/>
-            <a:endParaRPr lang="es-CO"/>
-          </a:p>
-        </p:txBody>
-      </p:sp>
-      <p:sp>
-        <p:nvSpPr>
-          <p:cNvPr id="15" name="Rectángulo 14">
-            <a:extLst>
-              <a:ext uri="{FF2B5EF4-FFF2-40B4-BE49-F238E27FC236}">
-                <a16:creationId xmlns:a16="http://schemas.microsoft.com/office/drawing/2014/main" id="{397368F9-A109-4C99-894A-D13BB0C34BE6}"/>
-              </a:ext>
-            </a:extLst>
-          </p:cNvPr>
-          <p:cNvSpPr/>
-          <p:nvPr/>
-        </p:nvSpPr>
-        <p:spPr>
-          <a:xfrm>
-            <a:off x="520118" y="5474084"/>
-            <a:ext cx="1342239" cy="799053"/>
-          </a:xfrm>
-          <a:prstGeom prst="rect">
-            <a:avLst/>
-          </a:prstGeom>
-        </p:spPr>
-        <p:style>
-          <a:lnRef idx="2">
-            <a:schemeClr val="accent1">
-              <a:shade val="50000"/>
-            </a:schemeClr>
-          </a:lnRef>
-          <a:fillRef idx="1">
-            <a:schemeClr val="accent1"/>
-          </a:fillRef>
-          <a:effectRef idx="0">
-            <a:schemeClr val="accent1"/>
-          </a:effectRef>
-          <a:fontRef idx="minor">
-            <a:schemeClr val="lt1"/>
-          </a:fontRef>
-        </p:style>
-        <p:txBody>
-          <a:bodyPr rtlCol="0" anchor="ctr"/>
-          <a:lstStyle/>
-          <a:p>
-            <a:pPr algn="ctr"/>
-            <a:r>
-              <a:rPr lang="es-CO" dirty="0"/>
-              <a:t>Imagen </a:t>
-            </a:r>
-          </a:p>
-        </p:txBody>
-      </p:sp>
-      <p:sp>
-        <p:nvSpPr>
-          <p:cNvPr id="16" name="CuadroTexto 15">
-            <a:extLst>
-              <a:ext uri="{FF2B5EF4-FFF2-40B4-BE49-F238E27FC236}">
-                <a16:creationId xmlns:a16="http://schemas.microsoft.com/office/drawing/2014/main" id="{2584DE1B-45E5-4CFA-9FB3-C0D86F3996AB}"/>
-              </a:ext>
-            </a:extLst>
-          </p:cNvPr>
-          <p:cNvSpPr txBox="1"/>
-          <p:nvPr/>
-        </p:nvSpPr>
-        <p:spPr>
-          <a:xfrm>
-            <a:off x="2189529" y="5688944"/>
-            <a:ext cx="3179427" cy="369332"/>
-          </a:xfrm>
-          <a:prstGeom prst="rect">
-            <a:avLst/>
-          </a:prstGeom>
-          <a:noFill/>
-        </p:spPr>
-        <p:txBody>
-          <a:bodyPr wrap="square" rtlCol="0">
-            <a:spAutoFit/>
-          </a:bodyPr>
-          <a:lstStyle/>
-          <a:p>
-            <a:r>
-              <a:rPr lang="es-CO" dirty="0"/>
-              <a:t>Pequeña descripción </a:t>
-            </a:r>
-          </a:p>
-        </p:txBody>
-      </p:sp>
-    </p:spTree>
-    <p:extLst>
-      <p:ext uri="{BB962C8B-B14F-4D97-AF65-F5344CB8AC3E}">
-        <p14:creationId xmlns:p14="http://schemas.microsoft.com/office/powerpoint/2010/main" val="1029859255"/>
-      </p:ext>
-    </p:extLst>
-  </p:cSld>
-  <p:clrMapOvr>
-    <a:masterClrMapping/>
-  </p:clrMapOvr>
-</p:sld>
-</file>
-
-<file path=ppt/slides/slide3.xml><?xml version="1.0" encoding="utf-8"?>
-<p:sld xmlns:a="http://schemas.openxmlformats.org/drawingml/2006/main" xmlns:r="http://schemas.openxmlformats.org/officeDocument/2006/relationships" xmlns:p="http://schemas.openxmlformats.org/presentationml/2006/main">
-  <p:cSld>
-    <p:spTree>
-      <p:nvGrpSpPr>
-        <p:cNvPr id="1" name=""/>
-        <p:cNvGrpSpPr/>
-        <p:nvPr/>
-      </p:nvGrpSpPr>
-      <p:grpSpPr>
-        <a:xfrm>
-          <a:off x="0" y="0"/>
-          <a:ext cx="0" cy="0"/>
-          <a:chOff x="0" y="0"/>
-          <a:chExt cx="0" cy="0"/>
-        </a:xfrm>
-      </p:grpSpPr>
-      <p:sp>
-        <p:nvSpPr>
           <p:cNvPr id="11" name="Rectángulo 10">
             <a:extLst>
               <a:ext uri="{FF2B5EF4-FFF2-40B4-BE49-F238E27FC236}">

--- a/asta/idea 1.pptx
+++ b/asta/idea 1.pptx
@@ -6,7 +6,8 @@
   </p:sldMasterIdLst>
   <p:sldIdLst>
     <p:sldId id="256" r:id="rId2"/>
-    <p:sldId id="257" r:id="rId3"/>
+    <p:sldId id="258" r:id="rId3"/>
+    <p:sldId id="257" r:id="rId4"/>
   </p:sldIdLst>
   <p:sldSz cx="12192000" cy="6858000"/>
   <p:notesSz cx="6858000" cy="9144000"/>
@@ -262,7 +263,7 @@
           <a:p>
             <a:fld id="{9FDEF5BA-61B1-4F47-AB7A-4C4F33AEE735}" type="datetimeFigureOut">
               <a:rPr lang="es-CO" smtClean="0"/>
-              <a:t>24/08/2022</a:t>
+              <a:t>26/07/2022</a:t>
             </a:fld>
             <a:endParaRPr lang="es-CO"/>
           </a:p>
@@ -462,7 +463,7 @@
           <a:p>
             <a:fld id="{9FDEF5BA-61B1-4F47-AB7A-4C4F33AEE735}" type="datetimeFigureOut">
               <a:rPr lang="es-CO" smtClean="0"/>
-              <a:t>24/08/2022</a:t>
+              <a:t>26/07/2022</a:t>
             </a:fld>
             <a:endParaRPr lang="es-CO"/>
           </a:p>
@@ -672,7 +673,7 @@
           <a:p>
             <a:fld id="{9FDEF5BA-61B1-4F47-AB7A-4C4F33AEE735}" type="datetimeFigureOut">
               <a:rPr lang="es-CO" smtClean="0"/>
-              <a:t>24/08/2022</a:t>
+              <a:t>26/07/2022</a:t>
             </a:fld>
             <a:endParaRPr lang="es-CO"/>
           </a:p>
@@ -872,7 +873,7 @@
           <a:p>
             <a:fld id="{9FDEF5BA-61B1-4F47-AB7A-4C4F33AEE735}" type="datetimeFigureOut">
               <a:rPr lang="es-CO" smtClean="0"/>
-              <a:t>24/08/2022</a:t>
+              <a:t>26/07/2022</a:t>
             </a:fld>
             <a:endParaRPr lang="es-CO"/>
           </a:p>
@@ -1148,7 +1149,7 @@
           <a:p>
             <a:fld id="{9FDEF5BA-61B1-4F47-AB7A-4C4F33AEE735}" type="datetimeFigureOut">
               <a:rPr lang="es-CO" smtClean="0"/>
-              <a:t>24/08/2022</a:t>
+              <a:t>26/07/2022</a:t>
             </a:fld>
             <a:endParaRPr lang="es-CO"/>
           </a:p>
@@ -1416,7 +1417,7 @@
           <a:p>
             <a:fld id="{9FDEF5BA-61B1-4F47-AB7A-4C4F33AEE735}" type="datetimeFigureOut">
               <a:rPr lang="es-CO" smtClean="0"/>
-              <a:t>24/08/2022</a:t>
+              <a:t>26/07/2022</a:t>
             </a:fld>
             <a:endParaRPr lang="es-CO"/>
           </a:p>
@@ -1831,7 +1832,7 @@
           <a:p>
             <a:fld id="{9FDEF5BA-61B1-4F47-AB7A-4C4F33AEE735}" type="datetimeFigureOut">
               <a:rPr lang="es-CO" smtClean="0"/>
-              <a:t>24/08/2022</a:t>
+              <a:t>26/07/2022</a:t>
             </a:fld>
             <a:endParaRPr lang="es-CO"/>
           </a:p>
@@ -1973,7 +1974,7 @@
           <a:p>
             <a:fld id="{9FDEF5BA-61B1-4F47-AB7A-4C4F33AEE735}" type="datetimeFigureOut">
               <a:rPr lang="es-CO" smtClean="0"/>
-              <a:t>24/08/2022</a:t>
+              <a:t>26/07/2022</a:t>
             </a:fld>
             <a:endParaRPr lang="es-CO"/>
           </a:p>
@@ -2086,7 +2087,7 @@
           <a:p>
             <a:fld id="{9FDEF5BA-61B1-4F47-AB7A-4C4F33AEE735}" type="datetimeFigureOut">
               <a:rPr lang="es-CO" smtClean="0"/>
-              <a:t>24/08/2022</a:t>
+              <a:t>26/07/2022</a:t>
             </a:fld>
             <a:endParaRPr lang="es-CO"/>
           </a:p>
@@ -2399,7 +2400,7 @@
           <a:p>
             <a:fld id="{9FDEF5BA-61B1-4F47-AB7A-4C4F33AEE735}" type="datetimeFigureOut">
               <a:rPr lang="es-CO" smtClean="0"/>
-              <a:t>24/08/2022</a:t>
+              <a:t>26/07/2022</a:t>
             </a:fld>
             <a:endParaRPr lang="es-CO"/>
           </a:p>
@@ -2688,7 +2689,7 @@
           <a:p>
             <a:fld id="{9FDEF5BA-61B1-4F47-AB7A-4C4F33AEE735}" type="datetimeFigureOut">
               <a:rPr lang="es-CO" smtClean="0"/>
-              <a:t>24/08/2022</a:t>
+              <a:t>26/07/2022</a:t>
             </a:fld>
             <a:endParaRPr lang="es-CO"/>
           </a:p>
@@ -2931,7 +2932,7 @@
           <a:p>
             <a:fld id="{9FDEF5BA-61B1-4F47-AB7A-4C4F33AEE735}" type="datetimeFigureOut">
               <a:rPr lang="es-CO" smtClean="0"/>
-              <a:t>24/08/2022</a:t>
+              <a:t>26/07/2022</a:t>
             </a:fld>
             <a:endParaRPr lang="es-CO"/>
           </a:p>
@@ -4014,6 +4015,672 @@
       </p:grpSpPr>
       <p:sp>
         <p:nvSpPr>
+          <p:cNvPr id="4" name="Rectángulo 3">
+            <a:extLst>
+              <a:ext uri="{FF2B5EF4-FFF2-40B4-BE49-F238E27FC236}">
+                <a16:creationId xmlns:a16="http://schemas.microsoft.com/office/drawing/2014/main" id="{DF245E58-804D-4C1A-8974-7DA4FC8B9D2F}"/>
+              </a:ext>
+            </a:extLst>
+          </p:cNvPr>
+          <p:cNvSpPr/>
+          <p:nvPr/>
+        </p:nvSpPr>
+        <p:spPr>
+          <a:xfrm>
+            <a:off x="0" y="1669409"/>
+            <a:ext cx="12192000" cy="5188591"/>
+          </a:xfrm>
+          <a:prstGeom prst="rect">
+            <a:avLst/>
+          </a:prstGeom>
+          <a:gradFill flip="none" rotWithShape="1">
+            <a:gsLst>
+              <a:gs pos="0">
+                <a:schemeClr val="accent1">
+                  <a:lumMod val="5000"/>
+                  <a:lumOff val="95000"/>
+                </a:schemeClr>
+              </a:gs>
+              <a:gs pos="38000">
+                <a:srgbClr val="ABC0E4"/>
+              </a:gs>
+              <a:gs pos="23000">
+                <a:schemeClr val="accent1">
+                  <a:lumMod val="45000"/>
+                  <a:lumOff val="55000"/>
+                </a:schemeClr>
+              </a:gs>
+              <a:gs pos="100000">
+                <a:schemeClr val="accent1">
+                  <a:lumMod val="75000"/>
+                </a:schemeClr>
+              </a:gs>
+            </a:gsLst>
+            <a:lin ang="16200000" scaled="1"/>
+            <a:tileRect/>
+          </a:gradFill>
+          <a:ln>
+            <a:noFill/>
+          </a:ln>
+        </p:spPr>
+        <p:style>
+          <a:lnRef idx="2">
+            <a:schemeClr val="accent1">
+              <a:shade val="50000"/>
+            </a:schemeClr>
+          </a:lnRef>
+          <a:fillRef idx="1">
+            <a:schemeClr val="accent1"/>
+          </a:fillRef>
+          <a:effectRef idx="0">
+            <a:schemeClr val="accent1"/>
+          </a:effectRef>
+          <a:fontRef idx="minor">
+            <a:schemeClr val="lt1"/>
+          </a:fontRef>
+        </p:style>
+        <p:txBody>
+          <a:bodyPr rtlCol="0" anchor="ctr"/>
+          <a:lstStyle/>
+          <a:p>
+            <a:pPr algn="ctr"/>
+            <a:endParaRPr lang="es-CO"/>
+          </a:p>
+        </p:txBody>
+      </p:sp>
+      <p:sp>
+        <p:nvSpPr>
+          <p:cNvPr id="5" name="Rectángulo 4">
+            <a:extLst>
+              <a:ext uri="{FF2B5EF4-FFF2-40B4-BE49-F238E27FC236}">
+                <a16:creationId xmlns:a16="http://schemas.microsoft.com/office/drawing/2014/main" id="{0948DE1E-A627-4379-ADB0-FB750E675C64}"/>
+              </a:ext>
+            </a:extLst>
+          </p:cNvPr>
+          <p:cNvSpPr/>
+          <p:nvPr/>
+        </p:nvSpPr>
+        <p:spPr>
+          <a:xfrm>
+            <a:off x="0" y="1"/>
+            <a:ext cx="12192000" cy="1669408"/>
+          </a:xfrm>
+          <a:prstGeom prst="rect">
+            <a:avLst/>
+          </a:prstGeom>
+          <a:solidFill>
+            <a:schemeClr val="accent1">
+              <a:lumMod val="75000"/>
+            </a:schemeClr>
+          </a:solidFill>
+          <a:ln>
+            <a:solidFill>
+              <a:schemeClr val="accent1">
+                <a:lumMod val="75000"/>
+              </a:schemeClr>
+            </a:solidFill>
+          </a:ln>
+        </p:spPr>
+        <p:style>
+          <a:lnRef idx="2">
+            <a:schemeClr val="accent1">
+              <a:shade val="50000"/>
+            </a:schemeClr>
+          </a:lnRef>
+          <a:fillRef idx="1">
+            <a:schemeClr val="accent1"/>
+          </a:fillRef>
+          <a:effectRef idx="0">
+            <a:schemeClr val="accent1"/>
+          </a:effectRef>
+          <a:fontRef idx="minor">
+            <a:schemeClr val="lt1"/>
+          </a:fontRef>
+        </p:style>
+        <p:txBody>
+          <a:bodyPr rtlCol="0" anchor="ctr"/>
+          <a:lstStyle/>
+          <a:p>
+            <a:pPr algn="ctr"/>
+            <a:endParaRPr lang="es-CO"/>
+          </a:p>
+        </p:txBody>
+      </p:sp>
+      <p:sp>
+        <p:nvSpPr>
+          <p:cNvPr id="6" name="Elipse 5">
+            <a:extLst>
+              <a:ext uri="{FF2B5EF4-FFF2-40B4-BE49-F238E27FC236}">
+                <a16:creationId xmlns:a16="http://schemas.microsoft.com/office/drawing/2014/main" id="{5D9840CA-AA92-4381-B0E9-2F0792E68366}"/>
+              </a:ext>
+            </a:extLst>
+          </p:cNvPr>
+          <p:cNvSpPr/>
+          <p:nvPr/>
+        </p:nvSpPr>
+        <p:spPr>
+          <a:xfrm>
+            <a:off x="327172" y="234621"/>
+            <a:ext cx="864066" cy="788565"/>
+          </a:xfrm>
+          <a:prstGeom prst="ellipse">
+            <a:avLst/>
+          </a:prstGeom>
+          <a:solidFill>
+            <a:schemeClr val="accent6"/>
+          </a:solidFill>
+        </p:spPr>
+        <p:style>
+          <a:lnRef idx="2">
+            <a:schemeClr val="accent1">
+              <a:shade val="50000"/>
+            </a:schemeClr>
+          </a:lnRef>
+          <a:fillRef idx="1">
+            <a:schemeClr val="accent1"/>
+          </a:fillRef>
+          <a:effectRef idx="0">
+            <a:schemeClr val="accent1"/>
+          </a:effectRef>
+          <a:fontRef idx="minor">
+            <a:schemeClr val="lt1"/>
+          </a:fontRef>
+        </p:style>
+        <p:txBody>
+          <a:bodyPr rtlCol="0" anchor="ctr"/>
+          <a:lstStyle/>
+          <a:p>
+            <a:pPr algn="ctr"/>
+            <a:r>
+              <a:rPr lang="es-CO" dirty="0"/>
+              <a:t>logo</a:t>
+            </a:r>
+          </a:p>
+        </p:txBody>
+      </p:sp>
+      <p:sp>
+        <p:nvSpPr>
+          <p:cNvPr id="7" name="Rectángulo 6">
+            <a:extLst>
+              <a:ext uri="{FF2B5EF4-FFF2-40B4-BE49-F238E27FC236}">
+                <a16:creationId xmlns:a16="http://schemas.microsoft.com/office/drawing/2014/main" id="{67421B46-CD12-4FEF-8812-FDD0C05CBC47}"/>
+              </a:ext>
+            </a:extLst>
+          </p:cNvPr>
+          <p:cNvSpPr/>
+          <p:nvPr/>
+        </p:nvSpPr>
+        <p:spPr>
+          <a:xfrm>
+            <a:off x="3329704" y="234621"/>
+            <a:ext cx="6723828" cy="923330"/>
+          </a:xfrm>
+          <a:prstGeom prst="rect">
+            <a:avLst/>
+          </a:prstGeom>
+          <a:noFill/>
+        </p:spPr>
+        <p:txBody>
+          <a:bodyPr wrap="none" lIns="91440" tIns="45720" rIns="91440" bIns="45720">
+            <a:spAutoFit/>
+          </a:bodyPr>
+          <a:lstStyle/>
+          <a:p>
+            <a:pPr algn="ctr"/>
+            <a:r>
+              <a:rPr lang="es-ES" sz="5400" b="1" cap="none" spc="0" dirty="0">
+                <a:ln w="12700" cmpd="sng">
+                  <a:solidFill>
+                    <a:schemeClr val="accent6">
+                      <a:lumMod val="50000"/>
+                    </a:schemeClr>
+                  </a:solidFill>
+                  <a:prstDash val="solid"/>
+                </a:ln>
+                <a:solidFill>
+                  <a:schemeClr val="accent6">
+                    <a:lumMod val="60000"/>
+                    <a:lumOff val="40000"/>
+                  </a:schemeClr>
+                </a:solidFill>
+                <a:effectLst/>
+              </a:rPr>
+              <a:t>Nombre de la empresa</a:t>
+            </a:r>
+          </a:p>
+        </p:txBody>
+      </p:sp>
+      <p:sp>
+        <p:nvSpPr>
+          <p:cNvPr id="8" name="Rectángulo: esquinas redondeadas 7">
+            <a:extLst>
+              <a:ext uri="{FF2B5EF4-FFF2-40B4-BE49-F238E27FC236}">
+                <a16:creationId xmlns:a16="http://schemas.microsoft.com/office/drawing/2014/main" id="{C9C33106-FD8B-44D6-A218-124041D1EB2A}"/>
+              </a:ext>
+            </a:extLst>
+          </p:cNvPr>
+          <p:cNvSpPr/>
+          <p:nvPr/>
+        </p:nvSpPr>
+        <p:spPr>
+          <a:xfrm>
+            <a:off x="327172" y="1713451"/>
+            <a:ext cx="5452844" cy="1415643"/>
+          </a:xfrm>
+          <a:prstGeom prst="roundRect">
+            <a:avLst/>
+          </a:prstGeom>
+          <a:solidFill>
+            <a:schemeClr val="bg1"/>
+          </a:solidFill>
+        </p:spPr>
+        <p:style>
+          <a:lnRef idx="2">
+            <a:schemeClr val="accent1">
+              <a:shade val="50000"/>
+            </a:schemeClr>
+          </a:lnRef>
+          <a:fillRef idx="1">
+            <a:schemeClr val="accent1"/>
+          </a:fillRef>
+          <a:effectRef idx="0">
+            <a:schemeClr val="accent1"/>
+          </a:effectRef>
+          <a:fontRef idx="minor">
+            <a:schemeClr val="lt1"/>
+          </a:fontRef>
+        </p:style>
+        <p:txBody>
+          <a:bodyPr rtlCol="0" anchor="ctr"/>
+          <a:lstStyle/>
+          <a:p>
+            <a:pPr algn="ctr"/>
+            <a:endParaRPr lang="es-CO"/>
+          </a:p>
+        </p:txBody>
+      </p:sp>
+      <p:sp>
+        <p:nvSpPr>
+          <p:cNvPr id="9" name="Rectángulo 8">
+            <a:extLst>
+              <a:ext uri="{FF2B5EF4-FFF2-40B4-BE49-F238E27FC236}">
+                <a16:creationId xmlns:a16="http://schemas.microsoft.com/office/drawing/2014/main" id="{6C64C016-5055-4D70-9B8E-738E19CB0CD3}"/>
+              </a:ext>
+            </a:extLst>
+          </p:cNvPr>
+          <p:cNvSpPr/>
+          <p:nvPr/>
+        </p:nvSpPr>
+        <p:spPr>
+          <a:xfrm>
+            <a:off x="520118" y="2021745"/>
+            <a:ext cx="1342239" cy="799053"/>
+          </a:xfrm>
+          <a:prstGeom prst="rect">
+            <a:avLst/>
+          </a:prstGeom>
+        </p:spPr>
+        <p:style>
+          <a:lnRef idx="2">
+            <a:schemeClr val="accent1">
+              <a:shade val="50000"/>
+            </a:schemeClr>
+          </a:lnRef>
+          <a:fillRef idx="1">
+            <a:schemeClr val="accent1"/>
+          </a:fillRef>
+          <a:effectRef idx="0">
+            <a:schemeClr val="accent1"/>
+          </a:effectRef>
+          <a:fontRef idx="minor">
+            <a:schemeClr val="lt1"/>
+          </a:fontRef>
+        </p:style>
+        <p:txBody>
+          <a:bodyPr rtlCol="0" anchor="ctr"/>
+          <a:lstStyle/>
+          <a:p>
+            <a:pPr algn="ctr"/>
+            <a:r>
+              <a:rPr lang="es-CO" dirty="0"/>
+              <a:t>Imagen </a:t>
+            </a:r>
+          </a:p>
+        </p:txBody>
+      </p:sp>
+      <p:sp>
+        <p:nvSpPr>
+          <p:cNvPr id="10" name="CuadroTexto 9">
+            <a:extLst>
+              <a:ext uri="{FF2B5EF4-FFF2-40B4-BE49-F238E27FC236}">
+                <a16:creationId xmlns:a16="http://schemas.microsoft.com/office/drawing/2014/main" id="{B5482DC8-0F97-4043-B137-6A5EED3A1043}"/>
+              </a:ext>
+            </a:extLst>
+          </p:cNvPr>
+          <p:cNvSpPr txBox="1"/>
+          <p:nvPr/>
+        </p:nvSpPr>
+        <p:spPr>
+          <a:xfrm>
+            <a:off x="2189529" y="2236605"/>
+            <a:ext cx="3179427" cy="369332"/>
+          </a:xfrm>
+          <a:prstGeom prst="rect">
+            <a:avLst/>
+          </a:prstGeom>
+          <a:noFill/>
+        </p:spPr>
+        <p:txBody>
+          <a:bodyPr wrap="square" rtlCol="0">
+            <a:spAutoFit/>
+          </a:bodyPr>
+          <a:lstStyle/>
+          <a:p>
+            <a:r>
+              <a:rPr lang="es-CO" dirty="0"/>
+              <a:t>Pequeña descripción </a:t>
+            </a:r>
+          </a:p>
+        </p:txBody>
+      </p:sp>
+      <p:sp>
+        <p:nvSpPr>
+          <p:cNvPr id="11" name="Rectángulo: esquinas redondeadas 10">
+            <a:extLst>
+              <a:ext uri="{FF2B5EF4-FFF2-40B4-BE49-F238E27FC236}">
+                <a16:creationId xmlns:a16="http://schemas.microsoft.com/office/drawing/2014/main" id="{6B879A55-3ED1-450A-A660-C91AD31CA35B}"/>
+              </a:ext>
+            </a:extLst>
+          </p:cNvPr>
+          <p:cNvSpPr/>
+          <p:nvPr/>
+        </p:nvSpPr>
+        <p:spPr>
+          <a:xfrm>
+            <a:off x="327172" y="3437388"/>
+            <a:ext cx="5452844" cy="1415643"/>
+          </a:xfrm>
+          <a:prstGeom prst="roundRect">
+            <a:avLst/>
+          </a:prstGeom>
+          <a:solidFill>
+            <a:schemeClr val="bg1"/>
+          </a:solidFill>
+        </p:spPr>
+        <p:style>
+          <a:lnRef idx="2">
+            <a:schemeClr val="accent1">
+              <a:shade val="50000"/>
+            </a:schemeClr>
+          </a:lnRef>
+          <a:fillRef idx="1">
+            <a:schemeClr val="accent1"/>
+          </a:fillRef>
+          <a:effectRef idx="0">
+            <a:schemeClr val="accent1"/>
+          </a:effectRef>
+          <a:fontRef idx="minor">
+            <a:schemeClr val="lt1"/>
+          </a:fontRef>
+        </p:style>
+        <p:txBody>
+          <a:bodyPr rtlCol="0" anchor="ctr"/>
+          <a:lstStyle/>
+          <a:p>
+            <a:pPr algn="ctr"/>
+            <a:endParaRPr lang="es-CO"/>
+          </a:p>
+        </p:txBody>
+      </p:sp>
+      <p:sp>
+        <p:nvSpPr>
+          <p:cNvPr id="12" name="Rectángulo 11">
+            <a:extLst>
+              <a:ext uri="{FF2B5EF4-FFF2-40B4-BE49-F238E27FC236}">
+                <a16:creationId xmlns:a16="http://schemas.microsoft.com/office/drawing/2014/main" id="{41366332-FF3B-4AA4-A141-A962432D05D3}"/>
+              </a:ext>
+            </a:extLst>
+          </p:cNvPr>
+          <p:cNvSpPr/>
+          <p:nvPr/>
+        </p:nvSpPr>
+        <p:spPr>
+          <a:xfrm>
+            <a:off x="520118" y="3745682"/>
+            <a:ext cx="1342239" cy="799053"/>
+          </a:xfrm>
+          <a:prstGeom prst="rect">
+            <a:avLst/>
+          </a:prstGeom>
+        </p:spPr>
+        <p:style>
+          <a:lnRef idx="2">
+            <a:schemeClr val="accent1">
+              <a:shade val="50000"/>
+            </a:schemeClr>
+          </a:lnRef>
+          <a:fillRef idx="1">
+            <a:schemeClr val="accent1"/>
+          </a:fillRef>
+          <a:effectRef idx="0">
+            <a:schemeClr val="accent1"/>
+          </a:effectRef>
+          <a:fontRef idx="minor">
+            <a:schemeClr val="lt1"/>
+          </a:fontRef>
+        </p:style>
+        <p:txBody>
+          <a:bodyPr rtlCol="0" anchor="ctr"/>
+          <a:lstStyle/>
+          <a:p>
+            <a:pPr algn="ctr"/>
+            <a:r>
+              <a:rPr lang="es-CO" dirty="0"/>
+              <a:t>Imagen </a:t>
+            </a:r>
+          </a:p>
+        </p:txBody>
+      </p:sp>
+      <p:sp>
+        <p:nvSpPr>
+          <p:cNvPr id="13" name="CuadroTexto 12">
+            <a:extLst>
+              <a:ext uri="{FF2B5EF4-FFF2-40B4-BE49-F238E27FC236}">
+                <a16:creationId xmlns:a16="http://schemas.microsoft.com/office/drawing/2014/main" id="{95DE2EE5-1F25-42A7-A1D6-1629711D4293}"/>
+              </a:ext>
+            </a:extLst>
+          </p:cNvPr>
+          <p:cNvSpPr txBox="1"/>
+          <p:nvPr/>
+        </p:nvSpPr>
+        <p:spPr>
+          <a:xfrm>
+            <a:off x="2189529" y="3960542"/>
+            <a:ext cx="3179427" cy="369332"/>
+          </a:xfrm>
+          <a:prstGeom prst="rect">
+            <a:avLst/>
+          </a:prstGeom>
+          <a:noFill/>
+        </p:spPr>
+        <p:txBody>
+          <a:bodyPr wrap="square" rtlCol="0">
+            <a:spAutoFit/>
+          </a:bodyPr>
+          <a:lstStyle/>
+          <a:p>
+            <a:r>
+              <a:rPr lang="es-CO" dirty="0"/>
+              <a:t>Pequeña descripción </a:t>
+            </a:r>
+          </a:p>
+        </p:txBody>
+      </p:sp>
+      <p:sp>
+        <p:nvSpPr>
+          <p:cNvPr id="14" name="Rectángulo: esquinas redondeadas 13">
+            <a:extLst>
+              <a:ext uri="{FF2B5EF4-FFF2-40B4-BE49-F238E27FC236}">
+                <a16:creationId xmlns:a16="http://schemas.microsoft.com/office/drawing/2014/main" id="{C0558819-643C-42F2-A89D-9D4B833AD7F5}"/>
+              </a:ext>
+            </a:extLst>
+          </p:cNvPr>
+          <p:cNvSpPr/>
+          <p:nvPr/>
+        </p:nvSpPr>
+        <p:spPr>
+          <a:xfrm>
+            <a:off x="327172" y="5165790"/>
+            <a:ext cx="5452844" cy="1415643"/>
+          </a:xfrm>
+          <a:prstGeom prst="roundRect">
+            <a:avLst/>
+          </a:prstGeom>
+          <a:solidFill>
+            <a:schemeClr val="bg1"/>
+          </a:solidFill>
+        </p:spPr>
+        <p:style>
+          <a:lnRef idx="2">
+            <a:schemeClr val="accent1">
+              <a:shade val="50000"/>
+            </a:schemeClr>
+          </a:lnRef>
+          <a:fillRef idx="1">
+            <a:schemeClr val="accent1"/>
+          </a:fillRef>
+          <a:effectRef idx="0">
+            <a:schemeClr val="accent1"/>
+          </a:effectRef>
+          <a:fontRef idx="minor">
+            <a:schemeClr val="lt1"/>
+          </a:fontRef>
+        </p:style>
+        <p:txBody>
+          <a:bodyPr rtlCol="0" anchor="ctr"/>
+          <a:lstStyle/>
+          <a:p>
+            <a:pPr algn="ctr"/>
+            <a:endParaRPr lang="es-CO"/>
+          </a:p>
+        </p:txBody>
+      </p:sp>
+      <p:sp>
+        <p:nvSpPr>
+          <p:cNvPr id="15" name="Rectángulo 14">
+            <a:extLst>
+              <a:ext uri="{FF2B5EF4-FFF2-40B4-BE49-F238E27FC236}">
+                <a16:creationId xmlns:a16="http://schemas.microsoft.com/office/drawing/2014/main" id="{397368F9-A109-4C99-894A-D13BB0C34BE6}"/>
+              </a:ext>
+            </a:extLst>
+          </p:cNvPr>
+          <p:cNvSpPr/>
+          <p:nvPr/>
+        </p:nvSpPr>
+        <p:spPr>
+          <a:xfrm>
+            <a:off x="520118" y="5474084"/>
+            <a:ext cx="1342239" cy="799053"/>
+          </a:xfrm>
+          <a:prstGeom prst="rect">
+            <a:avLst/>
+          </a:prstGeom>
+        </p:spPr>
+        <p:style>
+          <a:lnRef idx="2">
+            <a:schemeClr val="accent1">
+              <a:shade val="50000"/>
+            </a:schemeClr>
+          </a:lnRef>
+          <a:fillRef idx="1">
+            <a:schemeClr val="accent1"/>
+          </a:fillRef>
+          <a:effectRef idx="0">
+            <a:schemeClr val="accent1"/>
+          </a:effectRef>
+          <a:fontRef idx="minor">
+            <a:schemeClr val="lt1"/>
+          </a:fontRef>
+        </p:style>
+        <p:txBody>
+          <a:bodyPr rtlCol="0" anchor="ctr"/>
+          <a:lstStyle/>
+          <a:p>
+            <a:pPr algn="ctr"/>
+            <a:r>
+              <a:rPr lang="es-CO" dirty="0"/>
+              <a:t>Imagen </a:t>
+            </a:r>
+          </a:p>
+        </p:txBody>
+      </p:sp>
+      <p:sp>
+        <p:nvSpPr>
+          <p:cNvPr id="16" name="CuadroTexto 15">
+            <a:extLst>
+              <a:ext uri="{FF2B5EF4-FFF2-40B4-BE49-F238E27FC236}">
+                <a16:creationId xmlns:a16="http://schemas.microsoft.com/office/drawing/2014/main" id="{2584DE1B-45E5-4CFA-9FB3-C0D86F3996AB}"/>
+              </a:ext>
+            </a:extLst>
+          </p:cNvPr>
+          <p:cNvSpPr txBox="1"/>
+          <p:nvPr/>
+        </p:nvSpPr>
+        <p:spPr>
+          <a:xfrm>
+            <a:off x="2189529" y="5688944"/>
+            <a:ext cx="3179427" cy="369332"/>
+          </a:xfrm>
+          <a:prstGeom prst="rect">
+            <a:avLst/>
+          </a:prstGeom>
+          <a:noFill/>
+        </p:spPr>
+        <p:txBody>
+          <a:bodyPr wrap="square" rtlCol="0">
+            <a:spAutoFit/>
+          </a:bodyPr>
+          <a:lstStyle/>
+          <a:p>
+            <a:r>
+              <a:rPr lang="es-CO" dirty="0"/>
+              <a:t>Pequeña descripción </a:t>
+            </a:r>
+          </a:p>
+        </p:txBody>
+      </p:sp>
+    </p:spTree>
+    <p:extLst>
+      <p:ext uri="{BB962C8B-B14F-4D97-AF65-F5344CB8AC3E}">
+        <p14:creationId xmlns:p14="http://schemas.microsoft.com/office/powerpoint/2010/main" val="1029859255"/>
+      </p:ext>
+    </p:extLst>
+  </p:cSld>
+  <p:clrMapOvr>
+    <a:masterClrMapping/>
+  </p:clrMapOvr>
+</p:sld>
+</file>
+
+<file path=ppt/slides/slide3.xml><?xml version="1.0" encoding="utf-8"?>
+<p:sld xmlns:a="http://schemas.openxmlformats.org/drawingml/2006/main" xmlns:r="http://schemas.openxmlformats.org/officeDocument/2006/relationships" xmlns:p="http://schemas.openxmlformats.org/presentationml/2006/main">
+  <p:cSld>
+    <p:spTree>
+      <p:nvGrpSpPr>
+        <p:cNvPr id="1" name=""/>
+        <p:cNvGrpSpPr/>
+        <p:nvPr/>
+      </p:nvGrpSpPr>
+      <p:grpSpPr>
+        <a:xfrm>
+          <a:off x="0" y="0"/>
+          <a:ext cx="0" cy="0"/>
+          <a:chOff x="0" y="0"/>
+          <a:chExt cx="0" cy="0"/>
+        </a:xfrm>
+      </p:grpSpPr>
+      <p:sp>
+        <p:nvSpPr>
           <p:cNvPr id="11" name="Rectángulo 10">
             <a:extLst>
               <a:ext uri="{FF2B5EF4-FFF2-40B4-BE49-F238E27FC236}">
